--- a/2_course_master/Конференции/Презентация для конференции.pptx
+++ b/2_course_master/Конференции/Презентация для конференции.pptx
@@ -717,9 +717,10 @@
           <a:bodyPr/>
           <a:lstStyle/>
           <a:p>
-            <a:fld id="{760FBDFE-C587-4B4C-A407-44438C67B59E}" type="datetimeFigureOut">
+            <a:r>
               <a:rPr lang="en-US" smtClean="0"/>
-            </a:fld>
+              <a:t>23.05.2025</a:t>
+            </a:r>
             <a:endParaRPr lang="en-US"/>
           </a:p>
         </p:txBody>
@@ -739,6 +740,10 @@
           <a:bodyPr/>
           <a:lstStyle/>
           <a:p>
+            <a:r>
+              <a:rPr lang="en-US"/>
+              <a:t>Автоматизация решения CAPTCHA в текстовом формате</a:t>
+            </a:r>
             <a:endParaRPr lang="en-US"/>
           </a:p>
         </p:txBody>
@@ -847,6 +852,7 @@
   <p:clrMapOvr>
     <a:masterClrMapping/>
   </p:clrMapOvr>
+  <p:hf hdr="0"/>
 </p:sldLayout>
 </file>
 
@@ -882,9 +888,10 @@
           <a:bodyPr/>
           <a:lstStyle/>
           <a:p>
-            <a:fld id="{760FBDFE-C587-4B4C-A407-44438C67B59E}" type="datetimeFigureOut">
+            <a:r>
               <a:rPr lang="en-US" smtClean="0"/>
-            </a:fld>
+              <a:t>23.05.2025</a:t>
+            </a:r>
             <a:endParaRPr lang="en-US"/>
           </a:p>
         </p:txBody>
@@ -904,6 +911,10 @@
           <a:bodyPr/>
           <a:lstStyle/>
           <a:p>
+            <a:r>
+              <a:rPr lang="en-US"/>
+              <a:t>Автоматизация решения CAPTCHA в текстовом формате</a:t>
+            </a:r>
             <a:endParaRPr lang="en-US"/>
           </a:p>
         </p:txBody>
@@ -1006,6 +1017,7 @@
   <p:clrMapOvr>
     <a:masterClrMapping/>
   </p:clrMapOvr>
+  <p:hf hdr="0"/>
 </p:sldLayout>
 </file>
 
@@ -1202,9 +1214,10 @@
           <a:bodyPr/>
           <a:lstStyle/>
           <a:p>
-            <a:fld id="{760FBDFE-C587-4B4C-A407-44438C67B59E}" type="datetimeFigureOut">
+            <a:r>
               <a:rPr lang="en-US" smtClean="0"/>
-            </a:fld>
+              <a:t>23.05.2025</a:t>
+            </a:r>
             <a:endParaRPr lang="en-US"/>
           </a:p>
         </p:txBody>
@@ -1224,6 +1237,10 @@
           <a:bodyPr/>
           <a:lstStyle/>
           <a:p>
+            <a:r>
+              <a:rPr lang="en-US"/>
+              <a:t>Автоматизация решения CAPTCHA в текстовом формате</a:t>
+            </a:r>
             <a:endParaRPr lang="en-US"/>
           </a:p>
         </p:txBody>
@@ -1255,6 +1272,7 @@
   <p:clrMapOvr>
     <a:masterClrMapping/>
   </p:clrMapOvr>
+  <p:hf hdr="0"/>
 </p:sldLayout>
 </file>
 
@@ -1452,9 +1470,10 @@
           <a:bodyPr/>
           <a:lstStyle/>
           <a:p>
-            <a:fld id="{760FBDFE-C587-4B4C-A407-44438C67B59E}" type="datetimeFigureOut">
+            <a:r>
               <a:rPr lang="en-US" smtClean="0"/>
-            </a:fld>
+              <a:t>23.05.2025</a:t>
+            </a:r>
             <a:endParaRPr lang="en-US"/>
           </a:p>
         </p:txBody>
@@ -1474,6 +1493,10 @@
           <a:bodyPr/>
           <a:lstStyle/>
           <a:p>
+            <a:r>
+              <a:rPr lang="en-US"/>
+              <a:t>Автоматизация решения CAPTCHA в текстовом формате</a:t>
+            </a:r>
             <a:endParaRPr lang="en-US"/>
           </a:p>
         </p:txBody>
@@ -1505,6 +1528,7 @@
   <p:clrMapOvr>
     <a:masterClrMapping/>
   </p:clrMapOvr>
+  <p:hf hdr="0"/>
 </p:sldLayout>
 </file>
 
@@ -1857,9 +1881,10 @@
           <a:bodyPr/>
           <a:lstStyle/>
           <a:p>
-            <a:fld id="{760FBDFE-C587-4B4C-A407-44438C67B59E}" type="datetimeFigureOut">
+            <a:r>
               <a:rPr lang="en-US" smtClean="0"/>
-            </a:fld>
+              <a:t>23.05.2025</a:t>
+            </a:r>
             <a:endParaRPr lang="en-US"/>
           </a:p>
         </p:txBody>
@@ -1879,6 +1904,10 @@
           <a:bodyPr/>
           <a:lstStyle/>
           <a:p>
+            <a:r>
+              <a:rPr lang="en-US"/>
+              <a:t>Автоматизация решения CAPTCHA в текстовом формате</a:t>
+            </a:r>
             <a:endParaRPr lang="en-US"/>
           </a:p>
         </p:txBody>
@@ -1910,6 +1939,7 @@
   <p:clrMapOvr>
     <a:masterClrMapping/>
   </p:clrMapOvr>
+  <p:hf hdr="0"/>
 </p:sldLayout>
 </file>
 
@@ -2241,9 +2271,10 @@
           <a:bodyPr/>
           <a:lstStyle/>
           <a:p>
-            <a:fld id="{760FBDFE-C587-4B4C-A407-44438C67B59E}" type="datetimeFigureOut">
+            <a:r>
               <a:rPr lang="en-US" smtClean="0"/>
-            </a:fld>
+              <a:t>23.05.2025</a:t>
+            </a:r>
             <a:endParaRPr lang="en-US"/>
           </a:p>
         </p:txBody>
@@ -2263,6 +2294,10 @@
           <a:bodyPr/>
           <a:lstStyle/>
           <a:p>
+            <a:r>
+              <a:rPr lang="en-US"/>
+              <a:t>Автоматизация решения CAPTCHA в текстовом формате</a:t>
+            </a:r>
             <a:endParaRPr lang="en-US"/>
           </a:p>
         </p:txBody>
@@ -2294,6 +2329,7 @@
   <p:clrMapOvr>
     <a:masterClrMapping/>
   </p:clrMapOvr>
+  <p:hf hdr="0"/>
 </p:sldLayout>
 </file>
 
@@ -2367,9 +2403,10 @@
           <a:bodyPr/>
           <a:lstStyle/>
           <a:p>
-            <a:fld id="{760FBDFE-C587-4B4C-A407-44438C67B59E}" type="datetimeFigureOut">
+            <a:r>
               <a:rPr lang="en-US" smtClean="0"/>
-            </a:fld>
+              <a:t>23.05.2025</a:t>
+            </a:r>
             <a:endParaRPr lang="en-US"/>
           </a:p>
         </p:txBody>
@@ -2389,6 +2426,10 @@
           <a:bodyPr/>
           <a:lstStyle/>
           <a:p>
+            <a:r>
+              <a:rPr lang="en-US"/>
+              <a:t>Автоматизация решения CAPTCHA в текстовом формате</a:t>
+            </a:r>
             <a:endParaRPr lang="en-US"/>
           </a:p>
         </p:txBody>
@@ -2420,6 +2461,7 @@
   <p:clrMapOvr>
     <a:masterClrMapping/>
   </p:clrMapOvr>
+  <p:hf hdr="0"/>
 </p:sldLayout>
 </file>
 
@@ -2455,9 +2497,10 @@
           <a:bodyPr/>
           <a:lstStyle/>
           <a:p>
-            <a:fld id="{760FBDFE-C587-4B4C-A407-44438C67B59E}" type="datetimeFigureOut">
+            <a:r>
               <a:rPr lang="en-US" smtClean="0"/>
-            </a:fld>
+              <a:t>23.05.2025</a:t>
+            </a:r>
             <a:endParaRPr lang="en-US"/>
           </a:p>
         </p:txBody>
@@ -2477,6 +2520,10 @@
           <a:bodyPr/>
           <a:lstStyle/>
           <a:p>
+            <a:r>
+              <a:rPr lang="en-US"/>
+              <a:t>Автоматизация решения CAPTCHA в текстовом формате</a:t>
+            </a:r>
             <a:endParaRPr lang="en-US"/>
           </a:p>
         </p:txBody>
@@ -2508,6 +2555,7 @@
   <p:clrMapOvr>
     <a:masterClrMapping/>
   </p:clrMapOvr>
+  <p:hf hdr="0"/>
 </p:sldLayout>
 </file>
 
@@ -2713,9 +2761,10 @@
           <a:bodyPr/>
           <a:lstStyle/>
           <a:p>
-            <a:fld id="{9EFD9D74-47D9-4702-A33C-335B63B48DBF}" type="datetimeFigureOut">
+            <a:r>
               <a:rPr lang="en-US" smtClean="0"/>
-            </a:fld>
+              <a:t>23.05.2025</a:t>
+            </a:r>
             <a:endParaRPr lang="en-US" dirty="0"/>
           </a:p>
         </p:txBody>
@@ -2735,6 +2784,10 @@
           <a:bodyPr/>
           <a:lstStyle/>
           <a:p>
+            <a:r>
+              <a:rPr lang="en-US" dirty="0"/>
+              <a:t>Автоматизация решения CAPTCHA в текстовом формате</a:t>
+            </a:r>
             <a:endParaRPr lang="en-US" dirty="0"/>
           </a:p>
         </p:txBody>
@@ -2766,6 +2819,7 @@
   <p:clrMapOvr>
     <a:masterClrMapping/>
   </p:clrMapOvr>
+  <p:hf hdr="0"/>
 </p:sldLayout>
 </file>
 
@@ -2896,9 +2950,10 @@
           <a:bodyPr/>
           <a:lstStyle/>
           <a:p>
-            <a:fld id="{760FBDFE-C587-4B4C-A407-44438C67B59E}" type="datetimeFigureOut">
+            <a:r>
               <a:rPr lang="en-US" smtClean="0"/>
-            </a:fld>
+              <a:t>23.05.2025</a:t>
+            </a:r>
             <a:endParaRPr lang="en-US"/>
           </a:p>
         </p:txBody>
@@ -2918,6 +2973,10 @@
           <a:bodyPr/>
           <a:lstStyle/>
           <a:p>
+            <a:r>
+              <a:rPr lang="en-US"/>
+              <a:t>Автоматизация решения CAPTCHA в текстовом формате</a:t>
+            </a:r>
             <a:endParaRPr lang="en-US"/>
           </a:p>
         </p:txBody>
@@ -2949,6 +3008,7 @@
   <p:clrMapOvr>
     <a:masterClrMapping/>
   </p:clrMapOvr>
+  <p:hf hdr="0"/>
 </p:sldLayout>
 </file>
 
@@ -3126,9 +3186,10 @@
             </a:lvl1pPr>
           </a:lstStyle>
           <a:p>
-            <a:fld id="{760FBDFE-C587-4B4C-A407-44438C67B59E}" type="datetimeFigureOut">
+            <a:r>
               <a:rPr lang="en-US" smtClean="0"/>
-            </a:fld>
+              <a:t>23.05.2025</a:t>
+            </a:r>
             <a:endParaRPr lang="en-US" dirty="0"/>
           </a:p>
         </p:txBody>
@@ -3170,6 +3231,10 @@
             </a:lvl1pPr>
           </a:lstStyle>
           <a:p>
+            <a:r>
+              <a:rPr lang="en-US"/>
+              <a:t>Автоматизация решения CAPTCHA в текстовом формате</a:t>
+            </a:r>
             <a:endParaRPr lang="en-US"/>
           </a:p>
         </p:txBody>
@@ -3233,6 +3298,7 @@
     <p:sldLayoutId id="2147483657" r:id="rId9"/>
     <p:sldLayoutId id="2147483658" r:id="rId10"/>
   </p:sldLayoutIdLst>
+  <p:hf hdr="0"/>
   <p:txStyles>
     <p:titleStyle>
       <a:lvl1pPr algn="l" defTabSz="914400" rtl="0" eaLnBrk="1" latinLnBrk="0" hangingPunct="1">
@@ -3578,9 +3644,89 @@
         </p:nvSpPr>
         <p:spPr/>
         <p:txBody>
-          <a:bodyPr/>
+          <a:bodyPr>
+            <a:normAutofit lnSpcReduction="20000"/>
+          </a:bodyPr>
           <a:p>
             <a:endParaRPr lang="ru-RU" altLang="en-US"/>
+          </a:p>
+          <a:p>
+            <a:endParaRPr lang="ru-RU" altLang="en-US"/>
+          </a:p>
+          <a:p>
+            <a:endParaRPr lang="ru-RU" altLang="en-US"/>
+          </a:p>
+          <a:p>
+            <a:r>
+              <a:rPr lang="ru-RU" altLang="en-US"/>
+              <a:t>Барнаул, 2025г.</a:t>
+            </a:r>
+            <a:endParaRPr lang="ru-RU" altLang="en-US"/>
+          </a:p>
+        </p:txBody>
+      </p:sp>
+      <p:sp>
+        <p:nvSpPr>
+          <p:cNvPr id="5" name="Замещающая дата 4"/>
+          <p:cNvSpPr>
+            <a:spLocks noGrp="1"/>
+          </p:cNvSpPr>
+          <p:nvPr>
+            <p:ph type="dt" sz="half" idx="10"/>
+          </p:nvPr>
+        </p:nvSpPr>
+        <p:spPr/>
+        <p:txBody>
+          <a:bodyPr/>
+          <a:p>
+            <a:r>
+              <a:rPr lang="en-US" smtClean="0"/>
+              <a:t>23.05.2025</a:t>
+            </a:r>
+            <a:endParaRPr lang="en-US"/>
+          </a:p>
+        </p:txBody>
+      </p:sp>
+      <p:sp>
+        <p:nvSpPr>
+          <p:cNvPr id="6" name="Замещающий номер слайда 5"/>
+          <p:cNvSpPr>
+            <a:spLocks noGrp="1"/>
+          </p:cNvSpPr>
+          <p:nvPr>
+            <p:ph type="sldNum" sz="quarter" idx="12"/>
+          </p:nvPr>
+        </p:nvSpPr>
+        <p:spPr/>
+        <p:txBody>
+          <a:bodyPr/>
+          <a:p>
+            <a:fld id="{49AE70B2-8BF9-45C0-BB95-33D1B9D3A854}" type="slidenum">
+              <a:rPr lang="en-US" smtClean="0"/>
+            </a:fld>
+            <a:endParaRPr lang="en-US"/>
+          </a:p>
+        </p:txBody>
+      </p:sp>
+      <p:sp>
+        <p:nvSpPr>
+          <p:cNvPr id="7" name="Замещающий нижний колонтитул 6"/>
+          <p:cNvSpPr>
+            <a:spLocks noGrp="1"/>
+          </p:cNvSpPr>
+          <p:nvPr>
+            <p:ph type="ftr" sz="quarter" idx="11"/>
+          </p:nvPr>
+        </p:nvSpPr>
+        <p:spPr/>
+        <p:txBody>
+          <a:bodyPr/>
+          <a:p>
+            <a:r>
+              <a:rPr lang="en-US"/>
+              <a:t>Автоматизация решения CAPTCHA в текстовом формате</a:t>
+            </a:r>
+            <a:endParaRPr lang="en-US"/>
           </a:p>
         </p:txBody>
       </p:sp>
@@ -3678,6 +3824,71 @@
               <a:t>Рис. 7. Матрица ошибок предсказания отдельных символов.</a:t>
             </a:r>
             <a:endParaRPr lang="ru-RU" altLang="en-US"/>
+          </a:p>
+        </p:txBody>
+      </p:sp>
+      <p:sp>
+        <p:nvSpPr>
+          <p:cNvPr id="3" name="Замещающая дата 2"/>
+          <p:cNvSpPr>
+            <a:spLocks noGrp="1"/>
+          </p:cNvSpPr>
+          <p:nvPr>
+            <p:ph type="dt" sz="half" idx="10"/>
+          </p:nvPr>
+        </p:nvSpPr>
+        <p:spPr/>
+        <p:txBody>
+          <a:bodyPr/>
+          <a:p>
+            <a:r>
+              <a:rPr lang="en-US" smtClean="0"/>
+              <a:t>23.05.2025</a:t>
+            </a:r>
+            <a:endParaRPr lang="en-US"/>
+          </a:p>
+        </p:txBody>
+      </p:sp>
+      <p:sp>
+        <p:nvSpPr>
+          <p:cNvPr id="6" name="Замещающий номер слайда 5"/>
+          <p:cNvSpPr>
+            <a:spLocks noGrp="1"/>
+          </p:cNvSpPr>
+          <p:nvPr>
+            <p:ph type="sldNum" sz="quarter" idx="12"/>
+          </p:nvPr>
+        </p:nvSpPr>
+        <p:spPr/>
+        <p:txBody>
+          <a:bodyPr/>
+          <a:p>
+            <a:fld id="{49AE70B2-8BF9-45C0-BB95-33D1B9D3A854}" type="slidenum">
+              <a:rPr lang="en-US" smtClean="0"/>
+            </a:fld>
+            <a:endParaRPr lang="en-US"/>
+          </a:p>
+        </p:txBody>
+      </p:sp>
+      <p:sp>
+        <p:nvSpPr>
+          <p:cNvPr id="7" name="Замещающий нижний колонтитул 6"/>
+          <p:cNvSpPr>
+            <a:spLocks noGrp="1"/>
+          </p:cNvSpPr>
+          <p:nvPr>
+            <p:ph type="ftr" sz="quarter" idx="11"/>
+          </p:nvPr>
+        </p:nvSpPr>
+        <p:spPr/>
+        <p:txBody>
+          <a:bodyPr/>
+          <a:p>
+            <a:r>
+              <a:rPr lang="en-US"/>
+              <a:t>Автоматизация решения CAPTCHA в текстовом формате</a:t>
+            </a:r>
+            <a:endParaRPr lang="en-US"/>
           </a:p>
         </p:txBody>
       </p:sp>
@@ -4012,6 +4223,71 @@
           </a:p>
         </p:txBody>
       </p:sp>
+      <p:sp>
+        <p:nvSpPr>
+          <p:cNvPr id="3" name="Замещающая дата 2"/>
+          <p:cNvSpPr>
+            <a:spLocks noGrp="1"/>
+          </p:cNvSpPr>
+          <p:nvPr>
+            <p:ph type="dt" sz="half" idx="10"/>
+          </p:nvPr>
+        </p:nvSpPr>
+        <p:spPr/>
+        <p:txBody>
+          <a:bodyPr/>
+          <a:p>
+            <a:r>
+              <a:rPr lang="en-US" smtClean="0"/>
+              <a:t>23.05.2025</a:t>
+            </a:r>
+            <a:endParaRPr lang="en-US"/>
+          </a:p>
+        </p:txBody>
+      </p:sp>
+      <p:sp>
+        <p:nvSpPr>
+          <p:cNvPr id="4" name="Замещающий номер слайда 3"/>
+          <p:cNvSpPr>
+            <a:spLocks noGrp="1"/>
+          </p:cNvSpPr>
+          <p:nvPr>
+            <p:ph type="sldNum" sz="quarter" idx="12"/>
+          </p:nvPr>
+        </p:nvSpPr>
+        <p:spPr/>
+        <p:txBody>
+          <a:bodyPr/>
+          <a:p>
+            <a:fld id="{49AE70B2-8BF9-45C0-BB95-33D1B9D3A854}" type="slidenum">
+              <a:rPr lang="en-US" smtClean="0"/>
+            </a:fld>
+            <a:endParaRPr lang="en-US"/>
+          </a:p>
+        </p:txBody>
+      </p:sp>
+      <p:sp>
+        <p:nvSpPr>
+          <p:cNvPr id="5" name="Замещающий нижний колонтитул 4"/>
+          <p:cNvSpPr>
+            <a:spLocks noGrp="1"/>
+          </p:cNvSpPr>
+          <p:nvPr>
+            <p:ph type="ftr" sz="quarter" idx="11"/>
+          </p:nvPr>
+        </p:nvSpPr>
+        <p:spPr/>
+        <p:txBody>
+          <a:bodyPr/>
+          <a:p>
+            <a:r>
+              <a:rPr lang="en-US"/>
+              <a:t>Автоматизация решения CAPTCHA в текстовом формате</a:t>
+            </a:r>
+            <a:endParaRPr lang="en-US"/>
+          </a:p>
+        </p:txBody>
+      </p:sp>
     </p:spTree>
   </p:cSld>
   <p:clrMapOvr>
@@ -4347,6 +4623,71 @@
           </a:p>
         </p:txBody>
       </p:sp>
+      <p:sp>
+        <p:nvSpPr>
+          <p:cNvPr id="4" name="Замещающая дата 3"/>
+          <p:cNvSpPr>
+            <a:spLocks noGrp="1"/>
+          </p:cNvSpPr>
+          <p:nvPr>
+            <p:ph type="dt" sz="half" idx="10"/>
+          </p:nvPr>
+        </p:nvSpPr>
+        <p:spPr/>
+        <p:txBody>
+          <a:bodyPr/>
+          <a:p>
+            <a:r>
+              <a:rPr lang="en-US" smtClean="0"/>
+              <a:t>23.05.2025</a:t>
+            </a:r>
+            <a:endParaRPr lang="en-US"/>
+          </a:p>
+        </p:txBody>
+      </p:sp>
+      <p:sp>
+        <p:nvSpPr>
+          <p:cNvPr id="5" name="Замещающий номер слайда 4"/>
+          <p:cNvSpPr>
+            <a:spLocks noGrp="1"/>
+          </p:cNvSpPr>
+          <p:nvPr>
+            <p:ph type="sldNum" sz="quarter" idx="12"/>
+          </p:nvPr>
+        </p:nvSpPr>
+        <p:spPr/>
+        <p:txBody>
+          <a:bodyPr/>
+          <a:p>
+            <a:fld id="{49AE70B2-8BF9-45C0-BB95-33D1B9D3A854}" type="slidenum">
+              <a:rPr lang="en-US" smtClean="0"/>
+            </a:fld>
+            <a:endParaRPr lang="en-US"/>
+          </a:p>
+        </p:txBody>
+      </p:sp>
+      <p:sp>
+        <p:nvSpPr>
+          <p:cNvPr id="6" name="Замещающий нижний колонтитул 5"/>
+          <p:cNvSpPr>
+            <a:spLocks noGrp="1"/>
+          </p:cNvSpPr>
+          <p:nvPr>
+            <p:ph type="ftr" sz="quarter" idx="11"/>
+          </p:nvPr>
+        </p:nvSpPr>
+        <p:spPr/>
+        <p:txBody>
+          <a:bodyPr/>
+          <a:p>
+            <a:r>
+              <a:rPr lang="en-US"/>
+              <a:t>Автоматизация решения CAPTCHA в текстовом формате</a:t>
+            </a:r>
+            <a:endParaRPr lang="en-US"/>
+          </a:p>
+        </p:txBody>
+      </p:sp>
     </p:spTree>
   </p:cSld>
   <p:clrMapOvr>
@@ -4809,6 +5150,71 @@
           </a:p>
         </p:txBody>
       </p:sp>
+      <p:sp>
+        <p:nvSpPr>
+          <p:cNvPr id="4" name="Замещающая дата 3"/>
+          <p:cNvSpPr>
+            <a:spLocks noGrp="1"/>
+          </p:cNvSpPr>
+          <p:nvPr>
+            <p:ph type="dt" sz="half" idx="10"/>
+          </p:nvPr>
+        </p:nvSpPr>
+        <p:spPr/>
+        <p:txBody>
+          <a:bodyPr/>
+          <a:p>
+            <a:r>
+              <a:rPr lang="en-US" smtClean="0"/>
+              <a:t>23.05.2025</a:t>
+            </a:r>
+            <a:endParaRPr lang="en-US"/>
+          </a:p>
+        </p:txBody>
+      </p:sp>
+      <p:sp>
+        <p:nvSpPr>
+          <p:cNvPr id="5" name="Замещающий номер слайда 4"/>
+          <p:cNvSpPr>
+            <a:spLocks noGrp="1"/>
+          </p:cNvSpPr>
+          <p:nvPr>
+            <p:ph type="sldNum" sz="quarter" idx="12"/>
+          </p:nvPr>
+        </p:nvSpPr>
+        <p:spPr/>
+        <p:txBody>
+          <a:bodyPr/>
+          <a:p>
+            <a:fld id="{49AE70B2-8BF9-45C0-BB95-33D1B9D3A854}" type="slidenum">
+              <a:rPr lang="en-US" smtClean="0"/>
+            </a:fld>
+            <a:endParaRPr lang="en-US"/>
+          </a:p>
+        </p:txBody>
+      </p:sp>
+      <p:sp>
+        <p:nvSpPr>
+          <p:cNvPr id="6" name="Замещающий нижний колонтитул 5"/>
+          <p:cNvSpPr>
+            <a:spLocks noGrp="1"/>
+          </p:cNvSpPr>
+          <p:nvPr>
+            <p:ph type="ftr" sz="quarter" idx="11"/>
+          </p:nvPr>
+        </p:nvSpPr>
+        <p:spPr/>
+        <p:txBody>
+          <a:bodyPr/>
+          <a:p>
+            <a:r>
+              <a:rPr lang="en-US"/>
+              <a:t>Автоматизация решения CAPTCHA в текстовом формате</a:t>
+            </a:r>
+            <a:endParaRPr lang="en-US"/>
+          </a:p>
+        </p:txBody>
+      </p:sp>
     </p:spTree>
   </p:cSld>
   <p:clrMapOvr>
@@ -4915,6 +5321,71 @@
               <a:t>с текстом.</a:t>
             </a:r>
             <a:endParaRPr lang="ru-RU" altLang="en-US"/>
+          </a:p>
+        </p:txBody>
+      </p:sp>
+      <p:sp>
+        <p:nvSpPr>
+          <p:cNvPr id="3" name="Замещающая дата 2"/>
+          <p:cNvSpPr>
+            <a:spLocks noGrp="1"/>
+          </p:cNvSpPr>
+          <p:nvPr>
+            <p:ph type="dt" sz="half" idx="10"/>
+          </p:nvPr>
+        </p:nvSpPr>
+        <p:spPr/>
+        <p:txBody>
+          <a:bodyPr/>
+          <a:p>
+            <a:r>
+              <a:rPr lang="en-US" smtClean="0"/>
+              <a:t>23.05.2025</a:t>
+            </a:r>
+            <a:endParaRPr lang="en-US"/>
+          </a:p>
+        </p:txBody>
+      </p:sp>
+      <p:sp>
+        <p:nvSpPr>
+          <p:cNvPr id="6" name="Замещающий номер слайда 5"/>
+          <p:cNvSpPr>
+            <a:spLocks noGrp="1"/>
+          </p:cNvSpPr>
+          <p:nvPr>
+            <p:ph type="sldNum" sz="quarter" idx="12"/>
+          </p:nvPr>
+        </p:nvSpPr>
+        <p:spPr/>
+        <p:txBody>
+          <a:bodyPr/>
+          <a:p>
+            <a:fld id="{49AE70B2-8BF9-45C0-BB95-33D1B9D3A854}" type="slidenum">
+              <a:rPr lang="en-US" smtClean="0"/>
+            </a:fld>
+            <a:endParaRPr lang="en-US"/>
+          </a:p>
+        </p:txBody>
+      </p:sp>
+      <p:sp>
+        <p:nvSpPr>
+          <p:cNvPr id="7" name="Замещающий нижний колонтитул 6"/>
+          <p:cNvSpPr>
+            <a:spLocks noGrp="1"/>
+          </p:cNvSpPr>
+          <p:nvPr>
+            <p:ph type="ftr" sz="quarter" idx="11"/>
+          </p:nvPr>
+        </p:nvSpPr>
+        <p:spPr/>
+        <p:txBody>
+          <a:bodyPr/>
+          <a:p>
+            <a:r>
+              <a:rPr lang="en-US"/>
+              <a:t>Автоматизация решения CAPTCHA в текстовом формате</a:t>
+            </a:r>
+            <a:endParaRPr lang="en-US"/>
           </a:p>
         </p:txBody>
       </p:sp>
@@ -5140,6 +5611,71 @@
           </a:p>
         </p:txBody>
       </p:sp>
+      <p:sp>
+        <p:nvSpPr>
+          <p:cNvPr id="3" name="Замещающая дата 2"/>
+          <p:cNvSpPr>
+            <a:spLocks noGrp="1"/>
+          </p:cNvSpPr>
+          <p:nvPr>
+            <p:ph type="dt" sz="half" idx="10"/>
+          </p:nvPr>
+        </p:nvSpPr>
+        <p:spPr/>
+        <p:txBody>
+          <a:bodyPr/>
+          <a:p>
+            <a:r>
+              <a:rPr lang="en-US" smtClean="0"/>
+              <a:t>23.05.2025</a:t>
+            </a:r>
+            <a:endParaRPr lang="en-US"/>
+          </a:p>
+        </p:txBody>
+      </p:sp>
+      <p:sp>
+        <p:nvSpPr>
+          <p:cNvPr id="4" name="Замещающий номер слайда 3"/>
+          <p:cNvSpPr>
+            <a:spLocks noGrp="1"/>
+          </p:cNvSpPr>
+          <p:nvPr>
+            <p:ph type="sldNum" sz="quarter" idx="12"/>
+          </p:nvPr>
+        </p:nvSpPr>
+        <p:spPr/>
+        <p:txBody>
+          <a:bodyPr/>
+          <a:p>
+            <a:fld id="{49AE70B2-8BF9-45C0-BB95-33D1B9D3A854}" type="slidenum">
+              <a:rPr lang="en-US" smtClean="0"/>
+            </a:fld>
+            <a:endParaRPr lang="en-US"/>
+          </a:p>
+        </p:txBody>
+      </p:sp>
+      <p:sp>
+        <p:nvSpPr>
+          <p:cNvPr id="5" name="Замещающий нижний колонтитул 4"/>
+          <p:cNvSpPr>
+            <a:spLocks noGrp="1"/>
+          </p:cNvSpPr>
+          <p:nvPr>
+            <p:ph type="ftr" sz="quarter" idx="11"/>
+          </p:nvPr>
+        </p:nvSpPr>
+        <p:spPr/>
+        <p:txBody>
+          <a:bodyPr/>
+          <a:p>
+            <a:r>
+              <a:rPr lang="en-US"/>
+              <a:t>Автоматизация решения CAPTCHA в текстовом формате</a:t>
+            </a:r>
+            <a:endParaRPr lang="en-US"/>
+          </a:p>
+        </p:txBody>
+      </p:sp>
     </p:spTree>
   </p:cSld>
   <p:clrMapOvr>
@@ -5439,6 +5975,71 @@
           </a:p>
         </p:txBody>
       </p:sp>
+      <p:sp>
+        <p:nvSpPr>
+          <p:cNvPr id="4" name="Замещающая дата 3"/>
+          <p:cNvSpPr>
+            <a:spLocks noGrp="1"/>
+          </p:cNvSpPr>
+          <p:nvPr>
+            <p:ph type="dt" sz="half" idx="10"/>
+          </p:nvPr>
+        </p:nvSpPr>
+        <p:spPr/>
+        <p:txBody>
+          <a:bodyPr/>
+          <a:p>
+            <a:r>
+              <a:rPr lang="en-US" smtClean="0"/>
+              <a:t>23.05.2025</a:t>
+            </a:r>
+            <a:endParaRPr lang="en-US"/>
+          </a:p>
+        </p:txBody>
+      </p:sp>
+      <p:sp>
+        <p:nvSpPr>
+          <p:cNvPr id="5" name="Замещающий номер слайда 4"/>
+          <p:cNvSpPr>
+            <a:spLocks noGrp="1"/>
+          </p:cNvSpPr>
+          <p:nvPr>
+            <p:ph type="sldNum" sz="quarter" idx="12"/>
+          </p:nvPr>
+        </p:nvSpPr>
+        <p:spPr/>
+        <p:txBody>
+          <a:bodyPr/>
+          <a:p>
+            <a:fld id="{49AE70B2-8BF9-45C0-BB95-33D1B9D3A854}" type="slidenum">
+              <a:rPr lang="en-US" smtClean="0"/>
+            </a:fld>
+            <a:endParaRPr lang="en-US"/>
+          </a:p>
+        </p:txBody>
+      </p:sp>
+      <p:sp>
+        <p:nvSpPr>
+          <p:cNvPr id="6" name="Замещающий нижний колонтитул 5"/>
+          <p:cNvSpPr>
+            <a:spLocks noGrp="1"/>
+          </p:cNvSpPr>
+          <p:nvPr>
+            <p:ph type="ftr" sz="quarter" idx="11"/>
+          </p:nvPr>
+        </p:nvSpPr>
+        <p:spPr/>
+        <p:txBody>
+          <a:bodyPr/>
+          <a:p>
+            <a:r>
+              <a:rPr lang="en-US"/>
+              <a:t>Автоматизация решения CAPTCHA в текстовом формате</a:t>
+            </a:r>
+            <a:endParaRPr lang="en-US"/>
+          </a:p>
+        </p:txBody>
+      </p:sp>
     </p:spTree>
   </p:cSld>
   <p:clrMapOvr>
@@ -5550,6 +6151,71 @@
           </a:p>
         </p:txBody>
       </p:sp>
+      <p:sp>
+        <p:nvSpPr>
+          <p:cNvPr id="3" name="Замещающая дата 2"/>
+          <p:cNvSpPr>
+            <a:spLocks noGrp="1"/>
+          </p:cNvSpPr>
+          <p:nvPr>
+            <p:ph type="dt" sz="half" idx="10"/>
+          </p:nvPr>
+        </p:nvSpPr>
+        <p:spPr/>
+        <p:txBody>
+          <a:bodyPr/>
+          <a:p>
+            <a:r>
+              <a:rPr lang="en-US" smtClean="0"/>
+              <a:t>23.05.2025</a:t>
+            </a:r>
+            <a:endParaRPr lang="en-US"/>
+          </a:p>
+        </p:txBody>
+      </p:sp>
+      <p:sp>
+        <p:nvSpPr>
+          <p:cNvPr id="6" name="Замещающий номер слайда 5"/>
+          <p:cNvSpPr>
+            <a:spLocks noGrp="1"/>
+          </p:cNvSpPr>
+          <p:nvPr>
+            <p:ph type="sldNum" sz="quarter" idx="12"/>
+          </p:nvPr>
+        </p:nvSpPr>
+        <p:spPr/>
+        <p:txBody>
+          <a:bodyPr/>
+          <a:p>
+            <a:fld id="{49AE70B2-8BF9-45C0-BB95-33D1B9D3A854}" type="slidenum">
+              <a:rPr lang="en-US" smtClean="0"/>
+            </a:fld>
+            <a:endParaRPr lang="en-US"/>
+          </a:p>
+        </p:txBody>
+      </p:sp>
+      <p:sp>
+        <p:nvSpPr>
+          <p:cNvPr id="7" name="Замещающий нижний колонтитул 6"/>
+          <p:cNvSpPr>
+            <a:spLocks noGrp="1"/>
+          </p:cNvSpPr>
+          <p:nvPr>
+            <p:ph type="ftr" sz="quarter" idx="11"/>
+          </p:nvPr>
+        </p:nvSpPr>
+        <p:spPr/>
+        <p:txBody>
+          <a:bodyPr/>
+          <a:p>
+            <a:r>
+              <a:rPr lang="en-US"/>
+              <a:t>Автоматизация решения CAPTCHA в текстовом формате</a:t>
+            </a:r>
+            <a:endParaRPr lang="en-US"/>
+          </a:p>
+        </p:txBody>
+      </p:sp>
     </p:spTree>
   </p:cSld>
   <p:clrMapOvr>
@@ -5657,6 +6323,71 @@
           </a:p>
         </p:txBody>
       </p:sp>
+      <p:sp>
+        <p:nvSpPr>
+          <p:cNvPr id="3" name="Замещающая дата 2"/>
+          <p:cNvSpPr>
+            <a:spLocks noGrp="1"/>
+          </p:cNvSpPr>
+          <p:nvPr>
+            <p:ph type="dt" sz="half" idx="10"/>
+          </p:nvPr>
+        </p:nvSpPr>
+        <p:spPr/>
+        <p:txBody>
+          <a:bodyPr/>
+          <a:p>
+            <a:r>
+              <a:rPr lang="en-US" smtClean="0"/>
+              <a:t>23.05.2025</a:t>
+            </a:r>
+            <a:endParaRPr lang="en-US"/>
+          </a:p>
+        </p:txBody>
+      </p:sp>
+      <p:sp>
+        <p:nvSpPr>
+          <p:cNvPr id="6" name="Замещающий номер слайда 5"/>
+          <p:cNvSpPr>
+            <a:spLocks noGrp="1"/>
+          </p:cNvSpPr>
+          <p:nvPr>
+            <p:ph type="sldNum" sz="quarter" idx="12"/>
+          </p:nvPr>
+        </p:nvSpPr>
+        <p:spPr/>
+        <p:txBody>
+          <a:bodyPr/>
+          <a:p>
+            <a:fld id="{49AE70B2-8BF9-45C0-BB95-33D1B9D3A854}" type="slidenum">
+              <a:rPr lang="en-US" smtClean="0"/>
+            </a:fld>
+            <a:endParaRPr lang="en-US"/>
+          </a:p>
+        </p:txBody>
+      </p:sp>
+      <p:sp>
+        <p:nvSpPr>
+          <p:cNvPr id="7" name="Замещающий нижний колонтитул 6"/>
+          <p:cNvSpPr>
+            <a:spLocks noGrp="1"/>
+          </p:cNvSpPr>
+          <p:nvPr>
+            <p:ph type="ftr" sz="quarter" idx="11"/>
+          </p:nvPr>
+        </p:nvSpPr>
+        <p:spPr/>
+        <p:txBody>
+          <a:bodyPr/>
+          <a:p>
+            <a:r>
+              <a:rPr lang="en-US"/>
+              <a:t>Автоматизация решения CAPTCHA в текстовом формате</a:t>
+            </a:r>
+            <a:endParaRPr lang="en-US"/>
+          </a:p>
+        </p:txBody>
+      </p:sp>
     </p:spTree>
   </p:cSld>
   <p:clrMapOvr>
@@ -5764,6 +6495,71 @@
           </a:p>
         </p:txBody>
       </p:sp>
+      <p:sp>
+        <p:nvSpPr>
+          <p:cNvPr id="3" name="Замещающая дата 2"/>
+          <p:cNvSpPr>
+            <a:spLocks noGrp="1"/>
+          </p:cNvSpPr>
+          <p:nvPr>
+            <p:ph type="dt" sz="half" idx="10"/>
+          </p:nvPr>
+        </p:nvSpPr>
+        <p:spPr/>
+        <p:txBody>
+          <a:bodyPr/>
+          <a:p>
+            <a:r>
+              <a:rPr lang="en-US" smtClean="0"/>
+              <a:t>23.05.2025</a:t>
+            </a:r>
+            <a:endParaRPr lang="en-US"/>
+          </a:p>
+        </p:txBody>
+      </p:sp>
+      <p:sp>
+        <p:nvSpPr>
+          <p:cNvPr id="6" name="Замещающий номер слайда 5"/>
+          <p:cNvSpPr>
+            <a:spLocks noGrp="1"/>
+          </p:cNvSpPr>
+          <p:nvPr>
+            <p:ph type="sldNum" sz="quarter" idx="12"/>
+          </p:nvPr>
+        </p:nvSpPr>
+        <p:spPr/>
+        <p:txBody>
+          <a:bodyPr/>
+          <a:p>
+            <a:fld id="{49AE70B2-8BF9-45C0-BB95-33D1B9D3A854}" type="slidenum">
+              <a:rPr lang="en-US" smtClean="0"/>
+            </a:fld>
+            <a:endParaRPr lang="en-US"/>
+          </a:p>
+        </p:txBody>
+      </p:sp>
+      <p:sp>
+        <p:nvSpPr>
+          <p:cNvPr id="7" name="Замещающий нижний колонтитул 6"/>
+          <p:cNvSpPr>
+            <a:spLocks noGrp="1"/>
+          </p:cNvSpPr>
+          <p:nvPr>
+            <p:ph type="ftr" sz="quarter" idx="11"/>
+          </p:nvPr>
+        </p:nvSpPr>
+        <p:spPr/>
+        <p:txBody>
+          <a:bodyPr/>
+          <a:p>
+            <a:r>
+              <a:rPr lang="en-US"/>
+              <a:t>Автоматизация решения CAPTCHA в текстовом формате</a:t>
+            </a:r>
+            <a:endParaRPr lang="en-US"/>
+          </a:p>
+        </p:txBody>
+      </p:sp>
     </p:spTree>
   </p:cSld>
   <p:clrMapOvr>
@@ -5816,14 +6612,15 @@
         </p:nvPicPr>
         <p:blipFill>
           <a:blip r:embed="rId1"/>
+          <a:srcRect t="9514"/>
           <a:stretch>
             <a:fillRect/>
           </a:stretch>
         </p:blipFill>
         <p:spPr>
           <a:xfrm>
-            <a:off x="3194685" y="1584325"/>
-            <a:ext cx="5801995" cy="4351655"/>
+            <a:off x="3262630" y="1584325"/>
+            <a:ext cx="5801995" cy="3937635"/>
           </a:xfrm>
           <a:prstGeom prst="rect">
             <a:avLst/>
@@ -5838,7 +6635,7 @@
         </p:nvSpPr>
         <p:spPr>
           <a:xfrm>
-            <a:off x="3262630" y="5935980"/>
+            <a:off x="3262630" y="5521960"/>
             <a:ext cx="5801995" cy="645160"/>
           </a:xfrm>
           <a:prstGeom prst="rect">
@@ -5857,6 +6654,71 @@
               <a:t>Рис. 6. График сходимости функции потерь для тренировочной и валидационной выборок.</a:t>
             </a:r>
             <a:endParaRPr lang="ru-RU" altLang="en-US"/>
+          </a:p>
+        </p:txBody>
+      </p:sp>
+      <p:sp>
+        <p:nvSpPr>
+          <p:cNvPr id="3" name="Замещающая дата 2"/>
+          <p:cNvSpPr>
+            <a:spLocks noGrp="1"/>
+          </p:cNvSpPr>
+          <p:nvPr>
+            <p:ph type="dt" sz="half" idx="10"/>
+          </p:nvPr>
+        </p:nvSpPr>
+        <p:spPr/>
+        <p:txBody>
+          <a:bodyPr/>
+          <a:p>
+            <a:r>
+              <a:rPr lang="en-US" smtClean="0"/>
+              <a:t>23.05.2025</a:t>
+            </a:r>
+            <a:endParaRPr lang="en-US"/>
+          </a:p>
+        </p:txBody>
+      </p:sp>
+      <p:sp>
+        <p:nvSpPr>
+          <p:cNvPr id="6" name="Замещающий номер слайда 5"/>
+          <p:cNvSpPr>
+            <a:spLocks noGrp="1"/>
+          </p:cNvSpPr>
+          <p:nvPr>
+            <p:ph type="sldNum" sz="quarter" idx="12"/>
+          </p:nvPr>
+        </p:nvSpPr>
+        <p:spPr/>
+        <p:txBody>
+          <a:bodyPr/>
+          <a:p>
+            <a:fld id="{49AE70B2-8BF9-45C0-BB95-33D1B9D3A854}" type="slidenum">
+              <a:rPr lang="en-US" smtClean="0"/>
+            </a:fld>
+            <a:endParaRPr lang="en-US"/>
+          </a:p>
+        </p:txBody>
+      </p:sp>
+      <p:sp>
+        <p:nvSpPr>
+          <p:cNvPr id="7" name="Замещающий нижний колонтитул 6"/>
+          <p:cNvSpPr>
+            <a:spLocks noGrp="1"/>
+          </p:cNvSpPr>
+          <p:nvPr>
+            <p:ph type="ftr" sz="quarter" idx="11"/>
+          </p:nvPr>
+        </p:nvSpPr>
+        <p:spPr/>
+        <p:txBody>
+          <a:bodyPr/>
+          <a:p>
+            <a:r>
+              <a:rPr lang="en-US"/>
+              <a:t>Автоматизация решения CAPTCHA в текстовом формате</a:t>
+            </a:r>
+            <a:endParaRPr lang="en-US"/>
           </a:p>
         </p:txBody>
       </p:sp>
